--- a/ppt/Spring Profiles.pptx
+++ b/ppt/Spring Profiles.pptx
@@ -8,9 +8,7 @@
     <p:sldId id="256" r:id="rId2"/>
     <p:sldId id="257" r:id="rId3"/>
     <p:sldId id="258" r:id="rId4"/>
-    <p:sldId id="259" r:id="rId5"/>
-    <p:sldId id="260" r:id="rId6"/>
-    <p:sldId id="261" r:id="rId7"/>
+    <p:sldId id="260" r:id="rId5"/>
   </p:sldIdLst>
   <p:sldSz cx="12192000" cy="6858000"/>
   <p:notesSz cx="6858000" cy="9144000"/>
@@ -3945,13 +3943,13 @@
         </p:spPr>
         <p:txBody>
           <a:bodyPr>
-            <a:normAutofit lnSpcReduction="10000"/>
+            <a:normAutofit/>
           </a:bodyPr>
           <a:lstStyle/>
           <a:p>
             <a:pPr algn="ctr"/>
             <a:r>
-              <a:rPr lang="en-US" dirty="0">
+              <a:rPr lang="en-US" sz="1400" dirty="0">
                 <a:solidFill>
                   <a:srgbClr val="00B050"/>
                 </a:solidFill>
@@ -3959,7 +3957,7 @@
               <a:t>-- #</a:t>
             </a:r>
             <a:r>
-              <a:rPr lang="en-US" dirty="0" err="1">
+              <a:rPr lang="en-US" sz="1400" dirty="0" err="1">
                 <a:solidFill>
                   <a:srgbClr val="00B050"/>
                 </a:solidFill>
@@ -3967,14 +3965,14 @@
               <a:t>greenlearner</a:t>
             </a:r>
             <a:r>
-              <a:rPr lang="en-US" dirty="0">
+              <a:rPr lang="en-US" sz="1400" dirty="0">
                 <a:solidFill>
                   <a:srgbClr val="00B050"/>
                 </a:solidFill>
               </a:rPr>
               <a:t> -- </a:t>
             </a:r>
-            <a:endParaRPr lang="en-IN" dirty="0">
+            <a:endParaRPr lang="en-IN" sz="1400" dirty="0">
               <a:solidFill>
                 <a:srgbClr val="00B050"/>
               </a:solidFill>
@@ -4502,8 +4500,62 @@
             </a:r>
             <a:r>
               <a:rPr lang="en-US" dirty="0"/>
-              <a:t>can be marked with @Profile to limit when it is loaded,</a:t>
-            </a:r>
+              <a:t>can be marked with @Profile to limit when it is loaded.</a:t>
+            </a:r>
+          </a:p>
+          <a:p>
+            <a:pPr>
+              <a:buFont typeface="Wingdings" panose="05000000000000000000" pitchFamily="2" charset="2"/>
+              <a:buChar char="Ø"/>
+            </a:pPr>
+            <a:r>
+              <a:rPr lang="en-IN" dirty="0"/>
+              <a:t>@Profile("production") – class level</a:t>
+            </a:r>
+          </a:p>
+          <a:p>
+            <a:pPr>
+              <a:buFont typeface="Wingdings" panose="05000000000000000000" pitchFamily="2" charset="2"/>
+              <a:buChar char="Ø"/>
+            </a:pPr>
+            <a:r>
+              <a:rPr lang="en-US" dirty="0" err="1"/>
+              <a:t>spring.profiles.active</a:t>
+            </a:r>
+            <a:r>
+              <a:rPr lang="en-US" dirty="0"/>
+              <a:t>=</a:t>
+            </a:r>
+            <a:r>
+              <a:rPr lang="en-US" dirty="0" err="1"/>
+              <a:t>dev,hsqldb</a:t>
+            </a:r>
+            <a:endParaRPr lang="en-US" dirty="0"/>
+          </a:p>
+          <a:p>
+            <a:pPr>
+              <a:buFont typeface="Wingdings" panose="05000000000000000000" pitchFamily="2" charset="2"/>
+              <a:buChar char="Ø"/>
+            </a:pPr>
+            <a:r>
+              <a:rPr lang="en-US" dirty="0"/>
+              <a:t>How Do we Maintain Profiles? – </a:t>
+            </a:r>
+            <a:r>
+              <a:rPr lang="en-US" dirty="0" err="1"/>
+              <a:t>yaml</a:t>
+            </a:r>
+            <a:r>
+              <a:rPr lang="en-US" dirty="0"/>
+              <a:t> or properties</a:t>
+            </a:r>
+            <a:endParaRPr lang="en-IN" dirty="0"/>
+          </a:p>
+          <a:p>
+            <a:pPr>
+              <a:buFont typeface="Wingdings" panose="05000000000000000000" pitchFamily="2" charset="2"/>
+              <a:buChar char="Ø"/>
+            </a:pPr>
             <a:endParaRPr lang="en-IN" dirty="0"/>
           </a:p>
         </p:txBody>
@@ -4518,6 +4570,836 @@
   <p:clrMapOvr>
     <a:masterClrMapping/>
   </p:clrMapOvr>
+  <p:timing>
+    <p:tnLst>
+      <p:par>
+        <p:cTn id="1" dur="indefinite" restart="never" nodeType="tmRoot">
+          <p:childTnLst>
+            <p:seq concurrent="1" nextAc="seek">
+              <p:cTn id="2" dur="indefinite" nodeType="mainSeq">
+                <p:childTnLst>
+                  <p:par>
+                    <p:cTn id="3" fill="hold">
+                      <p:stCondLst>
+                        <p:cond delay="indefinite"/>
+                      </p:stCondLst>
+                      <p:childTnLst>
+                        <p:par>
+                          <p:cTn id="4" fill="hold">
+                            <p:stCondLst>
+                              <p:cond delay="0"/>
+                            </p:stCondLst>
+                            <p:childTnLst>
+                              <p:par>
+                                <p:cTn id="5" presetID="42" presetClass="entr" presetSubtype="0" fill="hold" grpId="0" nodeType="clickEffect">
+                                  <p:stCondLst>
+                                    <p:cond delay="0"/>
+                                  </p:stCondLst>
+                                  <p:childTnLst>
+                                    <p:set>
+                                      <p:cBhvr>
+                                        <p:cTn id="6" dur="1" fill="hold">
+                                          <p:stCondLst>
+                                            <p:cond delay="0"/>
+                                          </p:stCondLst>
+                                        </p:cTn>
+                                        <p:tgtEl>
+                                          <p:spTgt spid="3">
+                                            <p:bg/>
+                                          </p:spTgt>
+                                        </p:tgtEl>
+                                        <p:attrNameLst>
+                                          <p:attrName>style.visibility</p:attrName>
+                                        </p:attrNameLst>
+                                      </p:cBhvr>
+                                      <p:to>
+                                        <p:strVal val="visible"/>
+                                      </p:to>
+                                    </p:set>
+                                    <p:animEffect transition="in" filter="fade">
+                                      <p:cBhvr>
+                                        <p:cTn id="7" dur="1000"/>
+                                        <p:tgtEl>
+                                          <p:spTgt spid="3">
+                                            <p:bg/>
+                                          </p:spTgt>
+                                        </p:tgtEl>
+                                      </p:cBhvr>
+                                    </p:animEffect>
+                                    <p:anim calcmode="lin" valueType="num">
+                                      <p:cBhvr>
+                                        <p:cTn id="8" dur="1000" fill="hold"/>
+                                        <p:tgtEl>
+                                          <p:spTgt spid="3">
+                                            <p:bg/>
+                                          </p:spTgt>
+                                        </p:tgtEl>
+                                        <p:attrNameLst>
+                                          <p:attrName>ppt_x</p:attrName>
+                                        </p:attrNameLst>
+                                      </p:cBhvr>
+                                      <p:tavLst>
+                                        <p:tav tm="0">
+                                          <p:val>
+                                            <p:strVal val="#ppt_x"/>
+                                          </p:val>
+                                        </p:tav>
+                                        <p:tav tm="100000">
+                                          <p:val>
+                                            <p:strVal val="#ppt_x"/>
+                                          </p:val>
+                                        </p:tav>
+                                      </p:tavLst>
+                                    </p:anim>
+                                    <p:anim calcmode="lin" valueType="num">
+                                      <p:cBhvr>
+                                        <p:cTn id="9" dur="1000" fill="hold"/>
+                                        <p:tgtEl>
+                                          <p:spTgt spid="3">
+                                            <p:bg/>
+                                          </p:spTgt>
+                                        </p:tgtEl>
+                                        <p:attrNameLst>
+                                          <p:attrName>ppt_y</p:attrName>
+                                        </p:attrNameLst>
+                                      </p:cBhvr>
+                                      <p:tavLst>
+                                        <p:tav tm="0">
+                                          <p:val>
+                                            <p:strVal val="#ppt_y+.1"/>
+                                          </p:val>
+                                        </p:tav>
+                                        <p:tav tm="100000">
+                                          <p:val>
+                                            <p:strVal val="#ppt_y"/>
+                                          </p:val>
+                                        </p:tav>
+                                      </p:tavLst>
+                                    </p:anim>
+                                  </p:childTnLst>
+                                </p:cTn>
+                              </p:par>
+                            </p:childTnLst>
+                          </p:cTn>
+                        </p:par>
+                      </p:childTnLst>
+                    </p:cTn>
+                  </p:par>
+                  <p:par>
+                    <p:cTn id="10" fill="hold">
+                      <p:stCondLst>
+                        <p:cond delay="indefinite"/>
+                      </p:stCondLst>
+                      <p:childTnLst>
+                        <p:par>
+                          <p:cTn id="11" fill="hold">
+                            <p:stCondLst>
+                              <p:cond delay="0"/>
+                            </p:stCondLst>
+                            <p:childTnLst>
+                              <p:par>
+                                <p:cTn id="12" presetID="42" presetClass="entr" presetSubtype="0" fill="hold" grpId="0" nodeType="clickEffect">
+                                  <p:stCondLst>
+                                    <p:cond delay="0"/>
+                                  </p:stCondLst>
+                                  <p:childTnLst>
+                                    <p:set>
+                                      <p:cBhvr>
+                                        <p:cTn id="13" dur="1" fill="hold">
+                                          <p:stCondLst>
+                                            <p:cond delay="0"/>
+                                          </p:stCondLst>
+                                        </p:cTn>
+                                        <p:tgtEl>
+                                          <p:spTgt spid="3">
+                                            <p:txEl>
+                                              <p:pRg st="0" end="0"/>
+                                            </p:txEl>
+                                          </p:spTgt>
+                                        </p:tgtEl>
+                                        <p:attrNameLst>
+                                          <p:attrName>style.visibility</p:attrName>
+                                        </p:attrNameLst>
+                                      </p:cBhvr>
+                                      <p:to>
+                                        <p:strVal val="visible"/>
+                                      </p:to>
+                                    </p:set>
+                                    <p:animEffect transition="in" filter="fade">
+                                      <p:cBhvr>
+                                        <p:cTn id="14" dur="1000"/>
+                                        <p:tgtEl>
+                                          <p:spTgt spid="3">
+                                            <p:txEl>
+                                              <p:pRg st="0" end="0"/>
+                                            </p:txEl>
+                                          </p:spTgt>
+                                        </p:tgtEl>
+                                      </p:cBhvr>
+                                    </p:animEffect>
+                                    <p:anim calcmode="lin" valueType="num">
+                                      <p:cBhvr>
+                                        <p:cTn id="15" dur="1000" fill="hold"/>
+                                        <p:tgtEl>
+                                          <p:spTgt spid="3">
+                                            <p:txEl>
+                                              <p:pRg st="0" end="0"/>
+                                            </p:txEl>
+                                          </p:spTgt>
+                                        </p:tgtEl>
+                                        <p:attrNameLst>
+                                          <p:attrName>ppt_x</p:attrName>
+                                        </p:attrNameLst>
+                                      </p:cBhvr>
+                                      <p:tavLst>
+                                        <p:tav tm="0">
+                                          <p:val>
+                                            <p:strVal val="#ppt_x"/>
+                                          </p:val>
+                                        </p:tav>
+                                        <p:tav tm="100000">
+                                          <p:val>
+                                            <p:strVal val="#ppt_x"/>
+                                          </p:val>
+                                        </p:tav>
+                                      </p:tavLst>
+                                    </p:anim>
+                                    <p:anim calcmode="lin" valueType="num">
+                                      <p:cBhvr>
+                                        <p:cTn id="16" dur="1000" fill="hold"/>
+                                        <p:tgtEl>
+                                          <p:spTgt spid="3">
+                                            <p:txEl>
+                                              <p:pRg st="0" end="0"/>
+                                            </p:txEl>
+                                          </p:spTgt>
+                                        </p:tgtEl>
+                                        <p:attrNameLst>
+                                          <p:attrName>ppt_y</p:attrName>
+                                        </p:attrNameLst>
+                                      </p:cBhvr>
+                                      <p:tavLst>
+                                        <p:tav tm="0">
+                                          <p:val>
+                                            <p:strVal val="#ppt_y+.1"/>
+                                          </p:val>
+                                        </p:tav>
+                                        <p:tav tm="100000">
+                                          <p:val>
+                                            <p:strVal val="#ppt_y"/>
+                                          </p:val>
+                                        </p:tav>
+                                      </p:tavLst>
+                                    </p:anim>
+                                  </p:childTnLst>
+                                </p:cTn>
+                              </p:par>
+                            </p:childTnLst>
+                          </p:cTn>
+                        </p:par>
+                      </p:childTnLst>
+                    </p:cTn>
+                  </p:par>
+                  <p:par>
+                    <p:cTn id="17" fill="hold">
+                      <p:stCondLst>
+                        <p:cond delay="indefinite"/>
+                      </p:stCondLst>
+                      <p:childTnLst>
+                        <p:par>
+                          <p:cTn id="18" fill="hold">
+                            <p:stCondLst>
+                              <p:cond delay="0"/>
+                            </p:stCondLst>
+                            <p:childTnLst>
+                              <p:par>
+                                <p:cTn id="19" presetID="42" presetClass="entr" presetSubtype="0" fill="hold" grpId="0" nodeType="clickEffect">
+                                  <p:stCondLst>
+                                    <p:cond delay="0"/>
+                                  </p:stCondLst>
+                                  <p:childTnLst>
+                                    <p:set>
+                                      <p:cBhvr>
+                                        <p:cTn id="20" dur="1" fill="hold">
+                                          <p:stCondLst>
+                                            <p:cond delay="0"/>
+                                          </p:stCondLst>
+                                        </p:cTn>
+                                        <p:tgtEl>
+                                          <p:spTgt spid="3">
+                                            <p:txEl>
+                                              <p:pRg st="1" end="1"/>
+                                            </p:txEl>
+                                          </p:spTgt>
+                                        </p:tgtEl>
+                                        <p:attrNameLst>
+                                          <p:attrName>style.visibility</p:attrName>
+                                        </p:attrNameLst>
+                                      </p:cBhvr>
+                                      <p:to>
+                                        <p:strVal val="visible"/>
+                                      </p:to>
+                                    </p:set>
+                                    <p:animEffect transition="in" filter="fade">
+                                      <p:cBhvr>
+                                        <p:cTn id="21" dur="1000"/>
+                                        <p:tgtEl>
+                                          <p:spTgt spid="3">
+                                            <p:txEl>
+                                              <p:pRg st="1" end="1"/>
+                                            </p:txEl>
+                                          </p:spTgt>
+                                        </p:tgtEl>
+                                      </p:cBhvr>
+                                    </p:animEffect>
+                                    <p:anim calcmode="lin" valueType="num">
+                                      <p:cBhvr>
+                                        <p:cTn id="22" dur="1000" fill="hold"/>
+                                        <p:tgtEl>
+                                          <p:spTgt spid="3">
+                                            <p:txEl>
+                                              <p:pRg st="1" end="1"/>
+                                            </p:txEl>
+                                          </p:spTgt>
+                                        </p:tgtEl>
+                                        <p:attrNameLst>
+                                          <p:attrName>ppt_x</p:attrName>
+                                        </p:attrNameLst>
+                                      </p:cBhvr>
+                                      <p:tavLst>
+                                        <p:tav tm="0">
+                                          <p:val>
+                                            <p:strVal val="#ppt_x"/>
+                                          </p:val>
+                                        </p:tav>
+                                        <p:tav tm="100000">
+                                          <p:val>
+                                            <p:strVal val="#ppt_x"/>
+                                          </p:val>
+                                        </p:tav>
+                                      </p:tavLst>
+                                    </p:anim>
+                                    <p:anim calcmode="lin" valueType="num">
+                                      <p:cBhvr>
+                                        <p:cTn id="23" dur="1000" fill="hold"/>
+                                        <p:tgtEl>
+                                          <p:spTgt spid="3">
+                                            <p:txEl>
+                                              <p:pRg st="1" end="1"/>
+                                            </p:txEl>
+                                          </p:spTgt>
+                                        </p:tgtEl>
+                                        <p:attrNameLst>
+                                          <p:attrName>ppt_y</p:attrName>
+                                        </p:attrNameLst>
+                                      </p:cBhvr>
+                                      <p:tavLst>
+                                        <p:tav tm="0">
+                                          <p:val>
+                                            <p:strVal val="#ppt_y+.1"/>
+                                          </p:val>
+                                        </p:tav>
+                                        <p:tav tm="100000">
+                                          <p:val>
+                                            <p:strVal val="#ppt_y"/>
+                                          </p:val>
+                                        </p:tav>
+                                      </p:tavLst>
+                                    </p:anim>
+                                  </p:childTnLst>
+                                </p:cTn>
+                              </p:par>
+                            </p:childTnLst>
+                          </p:cTn>
+                        </p:par>
+                      </p:childTnLst>
+                    </p:cTn>
+                  </p:par>
+                  <p:par>
+                    <p:cTn id="24" fill="hold">
+                      <p:stCondLst>
+                        <p:cond delay="indefinite"/>
+                      </p:stCondLst>
+                      <p:childTnLst>
+                        <p:par>
+                          <p:cTn id="25" fill="hold">
+                            <p:stCondLst>
+                              <p:cond delay="0"/>
+                            </p:stCondLst>
+                            <p:childTnLst>
+                              <p:par>
+                                <p:cTn id="26" presetID="42" presetClass="entr" presetSubtype="0" fill="hold" grpId="0" nodeType="clickEffect">
+                                  <p:stCondLst>
+                                    <p:cond delay="0"/>
+                                  </p:stCondLst>
+                                  <p:childTnLst>
+                                    <p:set>
+                                      <p:cBhvr>
+                                        <p:cTn id="27" dur="1" fill="hold">
+                                          <p:stCondLst>
+                                            <p:cond delay="0"/>
+                                          </p:stCondLst>
+                                        </p:cTn>
+                                        <p:tgtEl>
+                                          <p:spTgt spid="3">
+                                            <p:txEl>
+                                              <p:pRg st="2" end="2"/>
+                                            </p:txEl>
+                                          </p:spTgt>
+                                        </p:tgtEl>
+                                        <p:attrNameLst>
+                                          <p:attrName>style.visibility</p:attrName>
+                                        </p:attrNameLst>
+                                      </p:cBhvr>
+                                      <p:to>
+                                        <p:strVal val="visible"/>
+                                      </p:to>
+                                    </p:set>
+                                    <p:animEffect transition="in" filter="fade">
+                                      <p:cBhvr>
+                                        <p:cTn id="28" dur="1000"/>
+                                        <p:tgtEl>
+                                          <p:spTgt spid="3">
+                                            <p:txEl>
+                                              <p:pRg st="2" end="2"/>
+                                            </p:txEl>
+                                          </p:spTgt>
+                                        </p:tgtEl>
+                                      </p:cBhvr>
+                                    </p:animEffect>
+                                    <p:anim calcmode="lin" valueType="num">
+                                      <p:cBhvr>
+                                        <p:cTn id="29" dur="1000" fill="hold"/>
+                                        <p:tgtEl>
+                                          <p:spTgt spid="3">
+                                            <p:txEl>
+                                              <p:pRg st="2" end="2"/>
+                                            </p:txEl>
+                                          </p:spTgt>
+                                        </p:tgtEl>
+                                        <p:attrNameLst>
+                                          <p:attrName>ppt_x</p:attrName>
+                                        </p:attrNameLst>
+                                      </p:cBhvr>
+                                      <p:tavLst>
+                                        <p:tav tm="0">
+                                          <p:val>
+                                            <p:strVal val="#ppt_x"/>
+                                          </p:val>
+                                        </p:tav>
+                                        <p:tav tm="100000">
+                                          <p:val>
+                                            <p:strVal val="#ppt_x"/>
+                                          </p:val>
+                                        </p:tav>
+                                      </p:tavLst>
+                                    </p:anim>
+                                    <p:anim calcmode="lin" valueType="num">
+                                      <p:cBhvr>
+                                        <p:cTn id="30" dur="1000" fill="hold"/>
+                                        <p:tgtEl>
+                                          <p:spTgt spid="3">
+                                            <p:txEl>
+                                              <p:pRg st="2" end="2"/>
+                                            </p:txEl>
+                                          </p:spTgt>
+                                        </p:tgtEl>
+                                        <p:attrNameLst>
+                                          <p:attrName>ppt_y</p:attrName>
+                                        </p:attrNameLst>
+                                      </p:cBhvr>
+                                      <p:tavLst>
+                                        <p:tav tm="0">
+                                          <p:val>
+                                            <p:strVal val="#ppt_y+.1"/>
+                                          </p:val>
+                                        </p:tav>
+                                        <p:tav tm="100000">
+                                          <p:val>
+                                            <p:strVal val="#ppt_y"/>
+                                          </p:val>
+                                        </p:tav>
+                                      </p:tavLst>
+                                    </p:anim>
+                                  </p:childTnLst>
+                                </p:cTn>
+                              </p:par>
+                            </p:childTnLst>
+                          </p:cTn>
+                        </p:par>
+                      </p:childTnLst>
+                    </p:cTn>
+                  </p:par>
+                  <p:par>
+                    <p:cTn id="31" fill="hold">
+                      <p:stCondLst>
+                        <p:cond delay="indefinite"/>
+                      </p:stCondLst>
+                      <p:childTnLst>
+                        <p:par>
+                          <p:cTn id="32" fill="hold">
+                            <p:stCondLst>
+                              <p:cond delay="0"/>
+                            </p:stCondLst>
+                            <p:childTnLst>
+                              <p:par>
+                                <p:cTn id="33" presetID="42" presetClass="entr" presetSubtype="0" fill="hold" grpId="0" nodeType="clickEffect">
+                                  <p:stCondLst>
+                                    <p:cond delay="0"/>
+                                  </p:stCondLst>
+                                  <p:childTnLst>
+                                    <p:set>
+                                      <p:cBhvr>
+                                        <p:cTn id="34" dur="1" fill="hold">
+                                          <p:stCondLst>
+                                            <p:cond delay="0"/>
+                                          </p:stCondLst>
+                                        </p:cTn>
+                                        <p:tgtEl>
+                                          <p:spTgt spid="3">
+                                            <p:txEl>
+                                              <p:pRg st="3" end="3"/>
+                                            </p:txEl>
+                                          </p:spTgt>
+                                        </p:tgtEl>
+                                        <p:attrNameLst>
+                                          <p:attrName>style.visibility</p:attrName>
+                                        </p:attrNameLst>
+                                      </p:cBhvr>
+                                      <p:to>
+                                        <p:strVal val="visible"/>
+                                      </p:to>
+                                    </p:set>
+                                    <p:animEffect transition="in" filter="fade">
+                                      <p:cBhvr>
+                                        <p:cTn id="35" dur="1000"/>
+                                        <p:tgtEl>
+                                          <p:spTgt spid="3">
+                                            <p:txEl>
+                                              <p:pRg st="3" end="3"/>
+                                            </p:txEl>
+                                          </p:spTgt>
+                                        </p:tgtEl>
+                                      </p:cBhvr>
+                                    </p:animEffect>
+                                    <p:anim calcmode="lin" valueType="num">
+                                      <p:cBhvr>
+                                        <p:cTn id="36" dur="1000" fill="hold"/>
+                                        <p:tgtEl>
+                                          <p:spTgt spid="3">
+                                            <p:txEl>
+                                              <p:pRg st="3" end="3"/>
+                                            </p:txEl>
+                                          </p:spTgt>
+                                        </p:tgtEl>
+                                        <p:attrNameLst>
+                                          <p:attrName>ppt_x</p:attrName>
+                                        </p:attrNameLst>
+                                      </p:cBhvr>
+                                      <p:tavLst>
+                                        <p:tav tm="0">
+                                          <p:val>
+                                            <p:strVal val="#ppt_x"/>
+                                          </p:val>
+                                        </p:tav>
+                                        <p:tav tm="100000">
+                                          <p:val>
+                                            <p:strVal val="#ppt_x"/>
+                                          </p:val>
+                                        </p:tav>
+                                      </p:tavLst>
+                                    </p:anim>
+                                    <p:anim calcmode="lin" valueType="num">
+                                      <p:cBhvr>
+                                        <p:cTn id="37" dur="1000" fill="hold"/>
+                                        <p:tgtEl>
+                                          <p:spTgt spid="3">
+                                            <p:txEl>
+                                              <p:pRg st="3" end="3"/>
+                                            </p:txEl>
+                                          </p:spTgt>
+                                        </p:tgtEl>
+                                        <p:attrNameLst>
+                                          <p:attrName>ppt_y</p:attrName>
+                                        </p:attrNameLst>
+                                      </p:cBhvr>
+                                      <p:tavLst>
+                                        <p:tav tm="0">
+                                          <p:val>
+                                            <p:strVal val="#ppt_y+.1"/>
+                                          </p:val>
+                                        </p:tav>
+                                        <p:tav tm="100000">
+                                          <p:val>
+                                            <p:strVal val="#ppt_y"/>
+                                          </p:val>
+                                        </p:tav>
+                                      </p:tavLst>
+                                    </p:anim>
+                                  </p:childTnLst>
+                                </p:cTn>
+                              </p:par>
+                            </p:childTnLst>
+                          </p:cTn>
+                        </p:par>
+                      </p:childTnLst>
+                    </p:cTn>
+                  </p:par>
+                  <p:par>
+                    <p:cTn id="38" fill="hold">
+                      <p:stCondLst>
+                        <p:cond delay="indefinite"/>
+                      </p:stCondLst>
+                      <p:childTnLst>
+                        <p:par>
+                          <p:cTn id="39" fill="hold">
+                            <p:stCondLst>
+                              <p:cond delay="0"/>
+                            </p:stCondLst>
+                            <p:childTnLst>
+                              <p:par>
+                                <p:cTn id="40" presetID="42" presetClass="entr" presetSubtype="0" fill="hold" grpId="0" nodeType="clickEffect">
+                                  <p:stCondLst>
+                                    <p:cond delay="0"/>
+                                  </p:stCondLst>
+                                  <p:childTnLst>
+                                    <p:set>
+                                      <p:cBhvr>
+                                        <p:cTn id="41" dur="1" fill="hold">
+                                          <p:stCondLst>
+                                            <p:cond delay="0"/>
+                                          </p:stCondLst>
+                                        </p:cTn>
+                                        <p:tgtEl>
+                                          <p:spTgt spid="3">
+                                            <p:txEl>
+                                              <p:pRg st="4" end="4"/>
+                                            </p:txEl>
+                                          </p:spTgt>
+                                        </p:tgtEl>
+                                        <p:attrNameLst>
+                                          <p:attrName>style.visibility</p:attrName>
+                                        </p:attrNameLst>
+                                      </p:cBhvr>
+                                      <p:to>
+                                        <p:strVal val="visible"/>
+                                      </p:to>
+                                    </p:set>
+                                    <p:animEffect transition="in" filter="fade">
+                                      <p:cBhvr>
+                                        <p:cTn id="42" dur="1000"/>
+                                        <p:tgtEl>
+                                          <p:spTgt spid="3">
+                                            <p:txEl>
+                                              <p:pRg st="4" end="4"/>
+                                            </p:txEl>
+                                          </p:spTgt>
+                                        </p:tgtEl>
+                                      </p:cBhvr>
+                                    </p:animEffect>
+                                    <p:anim calcmode="lin" valueType="num">
+                                      <p:cBhvr>
+                                        <p:cTn id="43" dur="1000" fill="hold"/>
+                                        <p:tgtEl>
+                                          <p:spTgt spid="3">
+                                            <p:txEl>
+                                              <p:pRg st="4" end="4"/>
+                                            </p:txEl>
+                                          </p:spTgt>
+                                        </p:tgtEl>
+                                        <p:attrNameLst>
+                                          <p:attrName>ppt_x</p:attrName>
+                                        </p:attrNameLst>
+                                      </p:cBhvr>
+                                      <p:tavLst>
+                                        <p:tav tm="0">
+                                          <p:val>
+                                            <p:strVal val="#ppt_x"/>
+                                          </p:val>
+                                        </p:tav>
+                                        <p:tav tm="100000">
+                                          <p:val>
+                                            <p:strVal val="#ppt_x"/>
+                                          </p:val>
+                                        </p:tav>
+                                      </p:tavLst>
+                                    </p:anim>
+                                    <p:anim calcmode="lin" valueType="num">
+                                      <p:cBhvr>
+                                        <p:cTn id="44" dur="1000" fill="hold"/>
+                                        <p:tgtEl>
+                                          <p:spTgt spid="3">
+                                            <p:txEl>
+                                              <p:pRg st="4" end="4"/>
+                                            </p:txEl>
+                                          </p:spTgt>
+                                        </p:tgtEl>
+                                        <p:attrNameLst>
+                                          <p:attrName>ppt_y</p:attrName>
+                                        </p:attrNameLst>
+                                      </p:cBhvr>
+                                      <p:tavLst>
+                                        <p:tav tm="0">
+                                          <p:val>
+                                            <p:strVal val="#ppt_y+.1"/>
+                                          </p:val>
+                                        </p:tav>
+                                        <p:tav tm="100000">
+                                          <p:val>
+                                            <p:strVal val="#ppt_y"/>
+                                          </p:val>
+                                        </p:tav>
+                                      </p:tavLst>
+                                    </p:anim>
+                                  </p:childTnLst>
+                                </p:cTn>
+                              </p:par>
+                            </p:childTnLst>
+                          </p:cTn>
+                        </p:par>
+                      </p:childTnLst>
+                    </p:cTn>
+                  </p:par>
+                  <p:par>
+                    <p:cTn id="45" fill="hold">
+                      <p:stCondLst>
+                        <p:cond delay="indefinite"/>
+                      </p:stCondLst>
+                      <p:childTnLst>
+                        <p:par>
+                          <p:cTn id="46" fill="hold">
+                            <p:stCondLst>
+                              <p:cond delay="0"/>
+                            </p:stCondLst>
+                            <p:childTnLst>
+                              <p:par>
+                                <p:cTn id="47" presetID="42" presetClass="entr" presetSubtype="0" fill="hold" grpId="0" nodeType="clickEffect">
+                                  <p:stCondLst>
+                                    <p:cond delay="0"/>
+                                  </p:stCondLst>
+                                  <p:childTnLst>
+                                    <p:set>
+                                      <p:cBhvr>
+                                        <p:cTn id="48" dur="1" fill="hold">
+                                          <p:stCondLst>
+                                            <p:cond delay="0"/>
+                                          </p:stCondLst>
+                                        </p:cTn>
+                                        <p:tgtEl>
+                                          <p:spTgt spid="3">
+                                            <p:txEl>
+                                              <p:pRg st="5" end="5"/>
+                                            </p:txEl>
+                                          </p:spTgt>
+                                        </p:tgtEl>
+                                        <p:attrNameLst>
+                                          <p:attrName>style.visibility</p:attrName>
+                                        </p:attrNameLst>
+                                      </p:cBhvr>
+                                      <p:to>
+                                        <p:strVal val="visible"/>
+                                      </p:to>
+                                    </p:set>
+                                    <p:animEffect transition="in" filter="fade">
+                                      <p:cBhvr>
+                                        <p:cTn id="49" dur="1000"/>
+                                        <p:tgtEl>
+                                          <p:spTgt spid="3">
+                                            <p:txEl>
+                                              <p:pRg st="5" end="5"/>
+                                            </p:txEl>
+                                          </p:spTgt>
+                                        </p:tgtEl>
+                                      </p:cBhvr>
+                                    </p:animEffect>
+                                    <p:anim calcmode="lin" valueType="num">
+                                      <p:cBhvr>
+                                        <p:cTn id="50" dur="1000" fill="hold"/>
+                                        <p:tgtEl>
+                                          <p:spTgt spid="3">
+                                            <p:txEl>
+                                              <p:pRg st="5" end="5"/>
+                                            </p:txEl>
+                                          </p:spTgt>
+                                        </p:tgtEl>
+                                        <p:attrNameLst>
+                                          <p:attrName>ppt_x</p:attrName>
+                                        </p:attrNameLst>
+                                      </p:cBhvr>
+                                      <p:tavLst>
+                                        <p:tav tm="0">
+                                          <p:val>
+                                            <p:strVal val="#ppt_x"/>
+                                          </p:val>
+                                        </p:tav>
+                                        <p:tav tm="100000">
+                                          <p:val>
+                                            <p:strVal val="#ppt_x"/>
+                                          </p:val>
+                                        </p:tav>
+                                      </p:tavLst>
+                                    </p:anim>
+                                    <p:anim calcmode="lin" valueType="num">
+                                      <p:cBhvr>
+                                        <p:cTn id="51" dur="1000" fill="hold"/>
+                                        <p:tgtEl>
+                                          <p:spTgt spid="3">
+                                            <p:txEl>
+                                              <p:pRg st="5" end="5"/>
+                                            </p:txEl>
+                                          </p:spTgt>
+                                        </p:tgtEl>
+                                        <p:attrNameLst>
+                                          <p:attrName>ppt_y</p:attrName>
+                                        </p:attrNameLst>
+                                      </p:cBhvr>
+                                      <p:tavLst>
+                                        <p:tav tm="0">
+                                          <p:val>
+                                            <p:strVal val="#ppt_y+.1"/>
+                                          </p:val>
+                                        </p:tav>
+                                        <p:tav tm="100000">
+                                          <p:val>
+                                            <p:strVal val="#ppt_y"/>
+                                          </p:val>
+                                        </p:tav>
+                                      </p:tavLst>
+                                    </p:anim>
+                                  </p:childTnLst>
+                                </p:cTn>
+                              </p:par>
+                            </p:childTnLst>
+                          </p:cTn>
+                        </p:par>
+                      </p:childTnLst>
+                    </p:cTn>
+                  </p:par>
+                </p:childTnLst>
+              </p:cTn>
+              <p:prevCondLst>
+                <p:cond evt="onPrev" delay="0">
+                  <p:tgtEl>
+                    <p:sldTgt/>
+                  </p:tgtEl>
+                </p:cond>
+              </p:prevCondLst>
+              <p:nextCondLst>
+                <p:cond evt="onNext" delay="0">
+                  <p:tgtEl>
+                    <p:sldTgt/>
+                  </p:tgtEl>
+                </p:cond>
+              </p:nextCondLst>
+            </p:seq>
+          </p:childTnLst>
+        </p:cTn>
+      </p:par>
+    </p:tnLst>
+    <p:bldLst>
+      <p:bldP spid="3" grpId="0" build="p" animBg="1"/>
+    </p:bldLst>
+  </p:timing>
 </p:sld>
 </file>
 
@@ -4601,7 +5483,7 @@
           <a:p>
             <a:r>
               <a:rPr lang="en-US" dirty="0"/>
-              <a:t>Profiles</a:t>
+              <a:t>Adding Active Profiles</a:t>
             </a:r>
             <a:endParaRPr lang="en-IN" dirty="0"/>
           </a:p>
@@ -4638,7 +5520,56 @@
               <a:buFont typeface="Wingdings" panose="05000000000000000000" pitchFamily="2" charset="2"/>
               <a:buChar char="Ø"/>
             </a:pPr>
-            <a:endParaRPr lang="en-IN" dirty="0"/>
+            <a:r>
+              <a:rPr lang="en-IN" dirty="0" err="1"/>
+              <a:t>spring.profiles.active</a:t>
+            </a:r>
+            <a:r>
+              <a:rPr lang="en-IN" dirty="0"/>
+              <a:t> in application</a:t>
+            </a:r>
+          </a:p>
+          <a:p>
+            <a:pPr>
+              <a:buFont typeface="Wingdings" panose="05000000000000000000" pitchFamily="2" charset="2"/>
+              <a:buChar char="Ø"/>
+            </a:pPr>
+            <a:r>
+              <a:rPr lang="en-IN" dirty="0"/>
+              <a:t>The highest </a:t>
+            </a:r>
+            <a:r>
+              <a:rPr lang="en-IN" dirty="0" err="1"/>
+              <a:t>PropertySource</a:t>
+            </a:r>
+            <a:r>
+              <a:rPr lang="en-IN" dirty="0"/>
+              <a:t> wins.</a:t>
+            </a:r>
+          </a:p>
+          <a:p>
+            <a:pPr>
+              <a:buFont typeface="Wingdings" panose="05000000000000000000" pitchFamily="2" charset="2"/>
+              <a:buChar char="Ø"/>
+            </a:pPr>
+            <a:r>
+              <a:rPr lang="en-IN" dirty="0" err="1"/>
+              <a:t>SpringApplication.setAdditionalProfiles</a:t>
+            </a:r>
+            <a:r>
+              <a:rPr lang="en-IN" dirty="0"/>
+              <a:t>(…​)</a:t>
+            </a:r>
+          </a:p>
+          <a:p>
+            <a:pPr>
+              <a:buFont typeface="Wingdings" panose="05000000000000000000" pitchFamily="2" charset="2"/>
+              <a:buChar char="Ø"/>
+            </a:pPr>
+            <a:r>
+              <a:rPr lang="en-IN" dirty="0"/>
+              <a:t>Active profiles can be changed from command line also.</a:t>
+            </a:r>
           </a:p>
         </p:txBody>
       </p:sp>
@@ -4652,6 +5583,606 @@
   <p:clrMapOvr>
     <a:masterClrMapping/>
   </p:clrMapOvr>
+  <p:timing>
+    <p:tnLst>
+      <p:par>
+        <p:cTn id="1" dur="indefinite" restart="never" nodeType="tmRoot">
+          <p:childTnLst>
+            <p:seq concurrent="1" nextAc="seek">
+              <p:cTn id="2" dur="indefinite" nodeType="mainSeq">
+                <p:childTnLst>
+                  <p:par>
+                    <p:cTn id="3" fill="hold">
+                      <p:stCondLst>
+                        <p:cond delay="indefinite"/>
+                      </p:stCondLst>
+                      <p:childTnLst>
+                        <p:par>
+                          <p:cTn id="4" fill="hold">
+                            <p:stCondLst>
+                              <p:cond delay="0"/>
+                            </p:stCondLst>
+                            <p:childTnLst>
+                              <p:par>
+                                <p:cTn id="5" presetID="42" presetClass="entr" presetSubtype="0" fill="hold" grpId="0" nodeType="clickEffect">
+                                  <p:stCondLst>
+                                    <p:cond delay="0"/>
+                                  </p:stCondLst>
+                                  <p:childTnLst>
+                                    <p:set>
+                                      <p:cBhvr>
+                                        <p:cTn id="6" dur="1" fill="hold">
+                                          <p:stCondLst>
+                                            <p:cond delay="0"/>
+                                          </p:stCondLst>
+                                        </p:cTn>
+                                        <p:tgtEl>
+                                          <p:spTgt spid="3">
+                                            <p:bg/>
+                                          </p:spTgt>
+                                        </p:tgtEl>
+                                        <p:attrNameLst>
+                                          <p:attrName>style.visibility</p:attrName>
+                                        </p:attrNameLst>
+                                      </p:cBhvr>
+                                      <p:to>
+                                        <p:strVal val="visible"/>
+                                      </p:to>
+                                    </p:set>
+                                    <p:animEffect transition="in" filter="fade">
+                                      <p:cBhvr>
+                                        <p:cTn id="7" dur="1000"/>
+                                        <p:tgtEl>
+                                          <p:spTgt spid="3">
+                                            <p:bg/>
+                                          </p:spTgt>
+                                        </p:tgtEl>
+                                      </p:cBhvr>
+                                    </p:animEffect>
+                                    <p:anim calcmode="lin" valueType="num">
+                                      <p:cBhvr>
+                                        <p:cTn id="8" dur="1000" fill="hold"/>
+                                        <p:tgtEl>
+                                          <p:spTgt spid="3">
+                                            <p:bg/>
+                                          </p:spTgt>
+                                        </p:tgtEl>
+                                        <p:attrNameLst>
+                                          <p:attrName>ppt_x</p:attrName>
+                                        </p:attrNameLst>
+                                      </p:cBhvr>
+                                      <p:tavLst>
+                                        <p:tav tm="0">
+                                          <p:val>
+                                            <p:strVal val="#ppt_x"/>
+                                          </p:val>
+                                        </p:tav>
+                                        <p:tav tm="100000">
+                                          <p:val>
+                                            <p:strVal val="#ppt_x"/>
+                                          </p:val>
+                                        </p:tav>
+                                      </p:tavLst>
+                                    </p:anim>
+                                    <p:anim calcmode="lin" valueType="num">
+                                      <p:cBhvr>
+                                        <p:cTn id="9" dur="1000" fill="hold"/>
+                                        <p:tgtEl>
+                                          <p:spTgt spid="3">
+                                            <p:bg/>
+                                          </p:spTgt>
+                                        </p:tgtEl>
+                                        <p:attrNameLst>
+                                          <p:attrName>ppt_y</p:attrName>
+                                        </p:attrNameLst>
+                                      </p:cBhvr>
+                                      <p:tavLst>
+                                        <p:tav tm="0">
+                                          <p:val>
+                                            <p:strVal val="#ppt_y+.1"/>
+                                          </p:val>
+                                        </p:tav>
+                                        <p:tav tm="100000">
+                                          <p:val>
+                                            <p:strVal val="#ppt_y"/>
+                                          </p:val>
+                                        </p:tav>
+                                      </p:tavLst>
+                                    </p:anim>
+                                  </p:childTnLst>
+                                </p:cTn>
+                              </p:par>
+                            </p:childTnLst>
+                          </p:cTn>
+                        </p:par>
+                      </p:childTnLst>
+                    </p:cTn>
+                  </p:par>
+                  <p:par>
+                    <p:cTn id="10" fill="hold">
+                      <p:stCondLst>
+                        <p:cond delay="indefinite"/>
+                      </p:stCondLst>
+                      <p:childTnLst>
+                        <p:par>
+                          <p:cTn id="11" fill="hold">
+                            <p:stCondLst>
+                              <p:cond delay="0"/>
+                            </p:stCondLst>
+                            <p:childTnLst>
+                              <p:par>
+                                <p:cTn id="12" presetID="42" presetClass="entr" presetSubtype="0" fill="hold" grpId="0" nodeType="clickEffect">
+                                  <p:stCondLst>
+                                    <p:cond delay="0"/>
+                                  </p:stCondLst>
+                                  <p:childTnLst>
+                                    <p:set>
+                                      <p:cBhvr>
+                                        <p:cTn id="13" dur="1" fill="hold">
+                                          <p:stCondLst>
+                                            <p:cond delay="0"/>
+                                          </p:stCondLst>
+                                        </p:cTn>
+                                        <p:tgtEl>
+                                          <p:spTgt spid="3">
+                                            <p:txEl>
+                                              <p:pRg st="0" end="0"/>
+                                            </p:txEl>
+                                          </p:spTgt>
+                                        </p:tgtEl>
+                                        <p:attrNameLst>
+                                          <p:attrName>style.visibility</p:attrName>
+                                        </p:attrNameLst>
+                                      </p:cBhvr>
+                                      <p:to>
+                                        <p:strVal val="visible"/>
+                                      </p:to>
+                                    </p:set>
+                                    <p:animEffect transition="in" filter="fade">
+                                      <p:cBhvr>
+                                        <p:cTn id="14" dur="1000"/>
+                                        <p:tgtEl>
+                                          <p:spTgt spid="3">
+                                            <p:txEl>
+                                              <p:pRg st="0" end="0"/>
+                                            </p:txEl>
+                                          </p:spTgt>
+                                        </p:tgtEl>
+                                      </p:cBhvr>
+                                    </p:animEffect>
+                                    <p:anim calcmode="lin" valueType="num">
+                                      <p:cBhvr>
+                                        <p:cTn id="15" dur="1000" fill="hold"/>
+                                        <p:tgtEl>
+                                          <p:spTgt spid="3">
+                                            <p:txEl>
+                                              <p:pRg st="0" end="0"/>
+                                            </p:txEl>
+                                          </p:spTgt>
+                                        </p:tgtEl>
+                                        <p:attrNameLst>
+                                          <p:attrName>ppt_x</p:attrName>
+                                        </p:attrNameLst>
+                                      </p:cBhvr>
+                                      <p:tavLst>
+                                        <p:tav tm="0">
+                                          <p:val>
+                                            <p:strVal val="#ppt_x"/>
+                                          </p:val>
+                                        </p:tav>
+                                        <p:tav tm="100000">
+                                          <p:val>
+                                            <p:strVal val="#ppt_x"/>
+                                          </p:val>
+                                        </p:tav>
+                                      </p:tavLst>
+                                    </p:anim>
+                                    <p:anim calcmode="lin" valueType="num">
+                                      <p:cBhvr>
+                                        <p:cTn id="16" dur="1000" fill="hold"/>
+                                        <p:tgtEl>
+                                          <p:spTgt spid="3">
+                                            <p:txEl>
+                                              <p:pRg st="0" end="0"/>
+                                            </p:txEl>
+                                          </p:spTgt>
+                                        </p:tgtEl>
+                                        <p:attrNameLst>
+                                          <p:attrName>ppt_y</p:attrName>
+                                        </p:attrNameLst>
+                                      </p:cBhvr>
+                                      <p:tavLst>
+                                        <p:tav tm="0">
+                                          <p:val>
+                                            <p:strVal val="#ppt_y+.1"/>
+                                          </p:val>
+                                        </p:tav>
+                                        <p:tav tm="100000">
+                                          <p:val>
+                                            <p:strVal val="#ppt_y"/>
+                                          </p:val>
+                                        </p:tav>
+                                      </p:tavLst>
+                                    </p:anim>
+                                  </p:childTnLst>
+                                </p:cTn>
+                              </p:par>
+                            </p:childTnLst>
+                          </p:cTn>
+                        </p:par>
+                      </p:childTnLst>
+                    </p:cTn>
+                  </p:par>
+                  <p:par>
+                    <p:cTn id="17" fill="hold">
+                      <p:stCondLst>
+                        <p:cond delay="indefinite"/>
+                      </p:stCondLst>
+                      <p:childTnLst>
+                        <p:par>
+                          <p:cTn id="18" fill="hold">
+                            <p:stCondLst>
+                              <p:cond delay="0"/>
+                            </p:stCondLst>
+                            <p:childTnLst>
+                              <p:par>
+                                <p:cTn id="19" presetID="42" presetClass="entr" presetSubtype="0" fill="hold" grpId="0" nodeType="clickEffect">
+                                  <p:stCondLst>
+                                    <p:cond delay="0"/>
+                                  </p:stCondLst>
+                                  <p:childTnLst>
+                                    <p:set>
+                                      <p:cBhvr>
+                                        <p:cTn id="20" dur="1" fill="hold">
+                                          <p:stCondLst>
+                                            <p:cond delay="0"/>
+                                          </p:stCondLst>
+                                        </p:cTn>
+                                        <p:tgtEl>
+                                          <p:spTgt spid="3">
+                                            <p:txEl>
+                                              <p:pRg st="1" end="1"/>
+                                            </p:txEl>
+                                          </p:spTgt>
+                                        </p:tgtEl>
+                                        <p:attrNameLst>
+                                          <p:attrName>style.visibility</p:attrName>
+                                        </p:attrNameLst>
+                                      </p:cBhvr>
+                                      <p:to>
+                                        <p:strVal val="visible"/>
+                                      </p:to>
+                                    </p:set>
+                                    <p:animEffect transition="in" filter="fade">
+                                      <p:cBhvr>
+                                        <p:cTn id="21" dur="1000"/>
+                                        <p:tgtEl>
+                                          <p:spTgt spid="3">
+                                            <p:txEl>
+                                              <p:pRg st="1" end="1"/>
+                                            </p:txEl>
+                                          </p:spTgt>
+                                        </p:tgtEl>
+                                      </p:cBhvr>
+                                    </p:animEffect>
+                                    <p:anim calcmode="lin" valueType="num">
+                                      <p:cBhvr>
+                                        <p:cTn id="22" dur="1000" fill="hold"/>
+                                        <p:tgtEl>
+                                          <p:spTgt spid="3">
+                                            <p:txEl>
+                                              <p:pRg st="1" end="1"/>
+                                            </p:txEl>
+                                          </p:spTgt>
+                                        </p:tgtEl>
+                                        <p:attrNameLst>
+                                          <p:attrName>ppt_x</p:attrName>
+                                        </p:attrNameLst>
+                                      </p:cBhvr>
+                                      <p:tavLst>
+                                        <p:tav tm="0">
+                                          <p:val>
+                                            <p:strVal val="#ppt_x"/>
+                                          </p:val>
+                                        </p:tav>
+                                        <p:tav tm="100000">
+                                          <p:val>
+                                            <p:strVal val="#ppt_x"/>
+                                          </p:val>
+                                        </p:tav>
+                                      </p:tavLst>
+                                    </p:anim>
+                                    <p:anim calcmode="lin" valueType="num">
+                                      <p:cBhvr>
+                                        <p:cTn id="23" dur="1000" fill="hold"/>
+                                        <p:tgtEl>
+                                          <p:spTgt spid="3">
+                                            <p:txEl>
+                                              <p:pRg st="1" end="1"/>
+                                            </p:txEl>
+                                          </p:spTgt>
+                                        </p:tgtEl>
+                                        <p:attrNameLst>
+                                          <p:attrName>ppt_y</p:attrName>
+                                        </p:attrNameLst>
+                                      </p:cBhvr>
+                                      <p:tavLst>
+                                        <p:tav tm="0">
+                                          <p:val>
+                                            <p:strVal val="#ppt_y+.1"/>
+                                          </p:val>
+                                        </p:tav>
+                                        <p:tav tm="100000">
+                                          <p:val>
+                                            <p:strVal val="#ppt_y"/>
+                                          </p:val>
+                                        </p:tav>
+                                      </p:tavLst>
+                                    </p:anim>
+                                  </p:childTnLst>
+                                </p:cTn>
+                              </p:par>
+                            </p:childTnLst>
+                          </p:cTn>
+                        </p:par>
+                      </p:childTnLst>
+                    </p:cTn>
+                  </p:par>
+                  <p:par>
+                    <p:cTn id="24" fill="hold">
+                      <p:stCondLst>
+                        <p:cond delay="indefinite"/>
+                      </p:stCondLst>
+                      <p:childTnLst>
+                        <p:par>
+                          <p:cTn id="25" fill="hold">
+                            <p:stCondLst>
+                              <p:cond delay="0"/>
+                            </p:stCondLst>
+                            <p:childTnLst>
+                              <p:par>
+                                <p:cTn id="26" presetID="42" presetClass="entr" presetSubtype="0" fill="hold" grpId="0" nodeType="clickEffect">
+                                  <p:stCondLst>
+                                    <p:cond delay="0"/>
+                                  </p:stCondLst>
+                                  <p:childTnLst>
+                                    <p:set>
+                                      <p:cBhvr>
+                                        <p:cTn id="27" dur="1" fill="hold">
+                                          <p:stCondLst>
+                                            <p:cond delay="0"/>
+                                          </p:stCondLst>
+                                        </p:cTn>
+                                        <p:tgtEl>
+                                          <p:spTgt spid="3">
+                                            <p:txEl>
+                                              <p:pRg st="2" end="2"/>
+                                            </p:txEl>
+                                          </p:spTgt>
+                                        </p:tgtEl>
+                                        <p:attrNameLst>
+                                          <p:attrName>style.visibility</p:attrName>
+                                        </p:attrNameLst>
+                                      </p:cBhvr>
+                                      <p:to>
+                                        <p:strVal val="visible"/>
+                                      </p:to>
+                                    </p:set>
+                                    <p:animEffect transition="in" filter="fade">
+                                      <p:cBhvr>
+                                        <p:cTn id="28" dur="1000"/>
+                                        <p:tgtEl>
+                                          <p:spTgt spid="3">
+                                            <p:txEl>
+                                              <p:pRg st="2" end="2"/>
+                                            </p:txEl>
+                                          </p:spTgt>
+                                        </p:tgtEl>
+                                      </p:cBhvr>
+                                    </p:animEffect>
+                                    <p:anim calcmode="lin" valueType="num">
+                                      <p:cBhvr>
+                                        <p:cTn id="29" dur="1000" fill="hold"/>
+                                        <p:tgtEl>
+                                          <p:spTgt spid="3">
+                                            <p:txEl>
+                                              <p:pRg st="2" end="2"/>
+                                            </p:txEl>
+                                          </p:spTgt>
+                                        </p:tgtEl>
+                                        <p:attrNameLst>
+                                          <p:attrName>ppt_x</p:attrName>
+                                        </p:attrNameLst>
+                                      </p:cBhvr>
+                                      <p:tavLst>
+                                        <p:tav tm="0">
+                                          <p:val>
+                                            <p:strVal val="#ppt_x"/>
+                                          </p:val>
+                                        </p:tav>
+                                        <p:tav tm="100000">
+                                          <p:val>
+                                            <p:strVal val="#ppt_x"/>
+                                          </p:val>
+                                        </p:tav>
+                                      </p:tavLst>
+                                    </p:anim>
+                                    <p:anim calcmode="lin" valueType="num">
+                                      <p:cBhvr>
+                                        <p:cTn id="30" dur="1000" fill="hold"/>
+                                        <p:tgtEl>
+                                          <p:spTgt spid="3">
+                                            <p:txEl>
+                                              <p:pRg st="2" end="2"/>
+                                            </p:txEl>
+                                          </p:spTgt>
+                                        </p:tgtEl>
+                                        <p:attrNameLst>
+                                          <p:attrName>ppt_y</p:attrName>
+                                        </p:attrNameLst>
+                                      </p:cBhvr>
+                                      <p:tavLst>
+                                        <p:tav tm="0">
+                                          <p:val>
+                                            <p:strVal val="#ppt_y+.1"/>
+                                          </p:val>
+                                        </p:tav>
+                                        <p:tav tm="100000">
+                                          <p:val>
+                                            <p:strVal val="#ppt_y"/>
+                                          </p:val>
+                                        </p:tav>
+                                      </p:tavLst>
+                                    </p:anim>
+                                  </p:childTnLst>
+                                </p:cTn>
+                              </p:par>
+                            </p:childTnLst>
+                          </p:cTn>
+                        </p:par>
+                      </p:childTnLst>
+                    </p:cTn>
+                  </p:par>
+                  <p:par>
+                    <p:cTn id="31" fill="hold">
+                      <p:stCondLst>
+                        <p:cond delay="indefinite"/>
+                      </p:stCondLst>
+                      <p:childTnLst>
+                        <p:par>
+                          <p:cTn id="32" fill="hold">
+                            <p:stCondLst>
+                              <p:cond delay="0"/>
+                            </p:stCondLst>
+                            <p:childTnLst>
+                              <p:par>
+                                <p:cTn id="33" presetID="42" presetClass="entr" presetSubtype="0" fill="hold" grpId="0" nodeType="clickEffect">
+                                  <p:stCondLst>
+                                    <p:cond delay="0"/>
+                                  </p:stCondLst>
+                                  <p:childTnLst>
+                                    <p:set>
+                                      <p:cBhvr>
+                                        <p:cTn id="34" dur="1" fill="hold">
+                                          <p:stCondLst>
+                                            <p:cond delay="0"/>
+                                          </p:stCondLst>
+                                        </p:cTn>
+                                        <p:tgtEl>
+                                          <p:spTgt spid="3">
+                                            <p:txEl>
+                                              <p:pRg st="3" end="3"/>
+                                            </p:txEl>
+                                          </p:spTgt>
+                                        </p:tgtEl>
+                                        <p:attrNameLst>
+                                          <p:attrName>style.visibility</p:attrName>
+                                        </p:attrNameLst>
+                                      </p:cBhvr>
+                                      <p:to>
+                                        <p:strVal val="visible"/>
+                                      </p:to>
+                                    </p:set>
+                                    <p:animEffect transition="in" filter="fade">
+                                      <p:cBhvr>
+                                        <p:cTn id="35" dur="1000"/>
+                                        <p:tgtEl>
+                                          <p:spTgt spid="3">
+                                            <p:txEl>
+                                              <p:pRg st="3" end="3"/>
+                                            </p:txEl>
+                                          </p:spTgt>
+                                        </p:tgtEl>
+                                      </p:cBhvr>
+                                    </p:animEffect>
+                                    <p:anim calcmode="lin" valueType="num">
+                                      <p:cBhvr>
+                                        <p:cTn id="36" dur="1000" fill="hold"/>
+                                        <p:tgtEl>
+                                          <p:spTgt spid="3">
+                                            <p:txEl>
+                                              <p:pRg st="3" end="3"/>
+                                            </p:txEl>
+                                          </p:spTgt>
+                                        </p:tgtEl>
+                                        <p:attrNameLst>
+                                          <p:attrName>ppt_x</p:attrName>
+                                        </p:attrNameLst>
+                                      </p:cBhvr>
+                                      <p:tavLst>
+                                        <p:tav tm="0">
+                                          <p:val>
+                                            <p:strVal val="#ppt_x"/>
+                                          </p:val>
+                                        </p:tav>
+                                        <p:tav tm="100000">
+                                          <p:val>
+                                            <p:strVal val="#ppt_x"/>
+                                          </p:val>
+                                        </p:tav>
+                                      </p:tavLst>
+                                    </p:anim>
+                                    <p:anim calcmode="lin" valueType="num">
+                                      <p:cBhvr>
+                                        <p:cTn id="37" dur="1000" fill="hold"/>
+                                        <p:tgtEl>
+                                          <p:spTgt spid="3">
+                                            <p:txEl>
+                                              <p:pRg st="3" end="3"/>
+                                            </p:txEl>
+                                          </p:spTgt>
+                                        </p:tgtEl>
+                                        <p:attrNameLst>
+                                          <p:attrName>ppt_y</p:attrName>
+                                        </p:attrNameLst>
+                                      </p:cBhvr>
+                                      <p:tavLst>
+                                        <p:tav tm="0">
+                                          <p:val>
+                                            <p:strVal val="#ppt_y+.1"/>
+                                          </p:val>
+                                        </p:tav>
+                                        <p:tav tm="100000">
+                                          <p:val>
+                                            <p:strVal val="#ppt_y"/>
+                                          </p:val>
+                                        </p:tav>
+                                      </p:tavLst>
+                                    </p:anim>
+                                  </p:childTnLst>
+                                </p:cTn>
+                              </p:par>
+                            </p:childTnLst>
+                          </p:cTn>
+                        </p:par>
+                      </p:childTnLst>
+                    </p:cTn>
+                  </p:par>
+                </p:childTnLst>
+              </p:cTn>
+              <p:prevCondLst>
+                <p:cond evt="onPrev" delay="0">
+                  <p:tgtEl>
+                    <p:sldTgt/>
+                  </p:tgtEl>
+                </p:cond>
+              </p:prevCondLst>
+              <p:nextCondLst>
+                <p:cond evt="onNext" delay="0">
+                  <p:tgtEl>
+                    <p:sldTgt/>
+                  </p:tgtEl>
+                </p:cond>
+              </p:nextCondLst>
+            </p:seq>
+          </p:childTnLst>
+        </p:cTn>
+      </p:par>
+    </p:tnLst>
+    <p:bldLst>
+      <p:bldP spid="3" grpId="0" build="p" animBg="1"/>
+    </p:bldLst>
+  </p:timing>
 </p:sld>
 </file>
 
@@ -4735,7 +6266,7 @@
           <a:p>
             <a:r>
               <a:rPr lang="en-US" dirty="0"/>
-              <a:t>Profiles</a:t>
+              <a:t>Next..</a:t>
             </a:r>
             <a:endParaRPr lang="en-IN" dirty="0"/>
           </a:p>
@@ -4765,148 +6296,33 @@
           </a:ln>
         </p:spPr>
         <p:txBody>
-          <a:bodyPr/>
+          <a:bodyPr>
+            <a:normAutofit/>
+          </a:bodyPr>
           <a:lstStyle/>
           <a:p>
             <a:pPr>
               <a:buFont typeface="Wingdings" panose="05000000000000000000" pitchFamily="2" charset="2"/>
               <a:buChar char="Ø"/>
             </a:pPr>
-            <a:endParaRPr lang="en-IN" dirty="0"/>
-          </a:p>
-        </p:txBody>
-      </p:sp>
-    </p:spTree>
-    <p:extLst>
-      <p:ext uri="{BB962C8B-B14F-4D97-AF65-F5344CB8AC3E}">
-        <p14:creationId xmlns:p14="http://schemas.microsoft.com/office/powerpoint/2010/main" val="376154278"/>
-      </p:ext>
-    </p:extLst>
-  </p:cSld>
-  <p:clrMapOvr>
-    <a:masterClrMapping/>
-  </p:clrMapOvr>
-</p:sld>
-</file>
-
-<file path=ppt/slides/slide5.xml><?xml version="1.0" encoding="utf-8"?>
-<p:sld xmlns:a="http://schemas.openxmlformats.org/drawingml/2006/main" xmlns:r="http://schemas.openxmlformats.org/officeDocument/2006/relationships" xmlns:p="http://schemas.openxmlformats.org/presentationml/2006/main">
-  <p:cSld>
-    <p:spTree>
-      <p:nvGrpSpPr>
-        <p:cNvPr id="1" name=""/>
-        <p:cNvGrpSpPr/>
-        <p:nvPr/>
-      </p:nvGrpSpPr>
-      <p:grpSpPr>
-        <a:xfrm>
-          <a:off x="0" y="0"/>
-          <a:ext cx="0" cy="0"/>
-          <a:chOff x="0" y="0"/>
-          <a:chExt cx="0" cy="0"/>
-        </a:xfrm>
-      </p:grpSpPr>
-      <p:sp>
-        <p:nvSpPr>
-          <p:cNvPr id="2" name="Title 1">
-            <a:extLst>
-              <a:ext uri="{FF2B5EF4-FFF2-40B4-BE49-F238E27FC236}">
-                <a16:creationId xmlns:a16="http://schemas.microsoft.com/office/drawing/2014/main" id="{C5332D5F-9CD5-47BA-8EA9-05DDFE3C1816}"/>
-              </a:ext>
-            </a:extLst>
-          </p:cNvPr>
-          <p:cNvSpPr>
-            <a:spLocks noGrp="1"/>
-          </p:cNvSpPr>
-          <p:nvPr>
-            <p:ph type="title"/>
-          </p:nvPr>
-        </p:nvSpPr>
-        <p:spPr>
-          <a:gradFill flip="none" rotWithShape="1">
-            <a:gsLst>
-              <a:gs pos="0">
-                <a:srgbClr val="92D050">
-                  <a:tint val="66000"/>
-                  <a:satMod val="160000"/>
-                </a:srgbClr>
-              </a:gs>
-              <a:gs pos="50000">
-                <a:srgbClr val="92D050">
-                  <a:tint val="44500"/>
-                  <a:satMod val="160000"/>
-                </a:srgbClr>
-              </a:gs>
-              <a:gs pos="100000">
-                <a:srgbClr val="92D050">
-                  <a:tint val="23500"/>
-                  <a:satMod val="160000"/>
-                </a:srgbClr>
-              </a:gs>
-            </a:gsLst>
-            <a:lin ang="0" scaled="1"/>
-            <a:tileRect/>
-          </a:gradFill>
-          <a:ln/>
-        </p:spPr>
-        <p:style>
-          <a:lnRef idx="1">
-            <a:schemeClr val="accent4"/>
-          </a:lnRef>
-          <a:fillRef idx="2">
-            <a:schemeClr val="accent4"/>
-          </a:fillRef>
-          <a:effectRef idx="1">
-            <a:schemeClr val="accent4"/>
-          </a:effectRef>
-          <a:fontRef idx="minor">
-            <a:schemeClr val="dk1"/>
-          </a:fontRef>
-        </p:style>
-        <p:txBody>
-          <a:bodyPr/>
-          <a:lstStyle/>
-          <a:p>
-            <a:r>
-              <a:rPr lang="en-US" dirty="0"/>
-              <a:t>Next..</a:t>
-            </a:r>
-            <a:endParaRPr lang="en-IN" dirty="0"/>
-          </a:p>
-        </p:txBody>
-      </p:sp>
-      <p:sp>
-        <p:nvSpPr>
-          <p:cNvPr id="3" name="Content Placeholder 2">
-            <a:extLst>
-              <a:ext uri="{FF2B5EF4-FFF2-40B4-BE49-F238E27FC236}">
-                <a16:creationId xmlns:a16="http://schemas.microsoft.com/office/drawing/2014/main" id="{4DDCD780-488D-4F67-A2C9-BF15C2B6468C}"/>
-              </a:ext>
-            </a:extLst>
-          </p:cNvPr>
-          <p:cNvSpPr>
-            <a:spLocks noGrp="1"/>
-          </p:cNvSpPr>
-          <p:nvPr>
-            <p:ph idx="1"/>
-          </p:nvPr>
-        </p:nvSpPr>
-        <p:spPr>
-          <a:ln>
-            <a:solidFill>
-              <a:srgbClr val="FF0000"/>
-            </a:solidFill>
-          </a:ln>
-        </p:spPr>
-        <p:txBody>
-          <a:bodyPr/>
-          <a:lstStyle/>
+            <a:endParaRPr lang="en-IN" sz="3200" dirty="0"/>
+          </a:p>
           <a:p>
             <a:pPr>
               <a:buFont typeface="Wingdings" panose="05000000000000000000" pitchFamily="2" charset="2"/>
               <a:buChar char="Ø"/>
             </a:pPr>
-            <a:endParaRPr lang="en-IN" dirty="0"/>
+            <a:endParaRPr lang="en-IN" sz="3200" dirty="0"/>
+          </a:p>
+          <a:p>
+            <a:pPr algn="ctr">
+              <a:buFont typeface="Wingdings" panose="05000000000000000000" pitchFamily="2" charset="2"/>
+              <a:buChar char="Ø"/>
+            </a:pPr>
+            <a:r>
+              <a:rPr lang="en-IN" sz="3200" dirty="0"/>
+              <a:t>Logging in spring boot app..</a:t>
+            </a:r>
           </a:p>
         </p:txBody>
       </p:sp>
@@ -4914,155 +6330,6 @@
     <p:extLst>
       <p:ext uri="{BB962C8B-B14F-4D97-AF65-F5344CB8AC3E}">
         <p14:creationId xmlns:p14="http://schemas.microsoft.com/office/powerpoint/2010/main" val="854144929"/>
-      </p:ext>
-    </p:extLst>
-  </p:cSld>
-  <p:clrMapOvr>
-    <a:masterClrMapping/>
-  </p:clrMapOvr>
-</p:sld>
-</file>
-
-<file path=ppt/slides/slide6.xml><?xml version="1.0" encoding="utf-8"?>
-<p:sld xmlns:a="http://schemas.openxmlformats.org/drawingml/2006/main" xmlns:r="http://schemas.openxmlformats.org/officeDocument/2006/relationships" xmlns:p="http://schemas.openxmlformats.org/presentationml/2006/main">
-  <p:cSld>
-    <p:spTree>
-      <p:nvGrpSpPr>
-        <p:cNvPr id="1" name=""/>
-        <p:cNvGrpSpPr/>
-        <p:nvPr/>
-      </p:nvGrpSpPr>
-      <p:grpSpPr>
-        <a:xfrm>
-          <a:off x="0" y="0"/>
-          <a:ext cx="0" cy="0"/>
-          <a:chOff x="0" y="0"/>
-          <a:chExt cx="0" cy="0"/>
-        </a:xfrm>
-      </p:grpSpPr>
-      <p:pic>
-        <p:nvPicPr>
-          <p:cNvPr id="1026" name="Picture 2" descr="Related image">
-            <a:extLst>
-              <a:ext uri="{FF2B5EF4-FFF2-40B4-BE49-F238E27FC236}">
-                <a16:creationId xmlns:a16="http://schemas.microsoft.com/office/drawing/2014/main" id="{E406D82E-5932-43EA-8773-AF805C8C7512}"/>
-              </a:ext>
-            </a:extLst>
-          </p:cNvPr>
-          <p:cNvPicPr>
-            <a:picLocks noChangeAspect="1" noChangeArrowheads="1"/>
-          </p:cNvPicPr>
-          <p:nvPr/>
-        </p:nvPicPr>
-        <p:blipFill>
-          <a:blip r:embed="rId2">
-            <a:extLst>
-              <a:ext uri="{28A0092B-C50C-407E-A947-70E740481C1C}">
-                <a14:useLocalDpi xmlns:a14="http://schemas.microsoft.com/office/drawing/2010/main" val="0"/>
-              </a:ext>
-            </a:extLst>
-          </a:blip>
-          <a:srcRect/>
-          <a:stretch>
-            <a:fillRect/>
-          </a:stretch>
-        </p:blipFill>
-        <p:spPr bwMode="auto">
-          <a:xfrm>
-            <a:off x="3562349" y="3945543"/>
-            <a:ext cx="1724025" cy="645884"/>
-          </a:xfrm>
-          <a:prstGeom prst="rect">
-            <a:avLst/>
-          </a:prstGeom>
-          <a:ln>
-            <a:noFill/>
-          </a:ln>
-          <a:effectLst>
-            <a:outerShdw blurRad="292100" dist="139700" dir="2700000" algn="tl" rotWithShape="0">
-              <a:srgbClr val="333333">
-                <a:alpha val="65000"/>
-              </a:srgbClr>
-            </a:outerShdw>
-          </a:effectLst>
-          <a:extLst>
-            <a:ext uri="{909E8E84-426E-40DD-AFC4-6F175D3DCCD1}">
-              <a14:hiddenFill xmlns:a14="http://schemas.microsoft.com/office/drawing/2010/main">
-                <a:solidFill>
-                  <a:srgbClr val="FFFFFF"/>
-                </a:solidFill>
-              </a14:hiddenFill>
-            </a:ext>
-          </a:extLst>
-        </p:spPr>
-      </p:pic>
-      <p:sp>
-        <p:nvSpPr>
-          <p:cNvPr id="4" name="TextBox 3">
-            <a:extLst>
-              <a:ext uri="{FF2B5EF4-FFF2-40B4-BE49-F238E27FC236}">
-                <a16:creationId xmlns:a16="http://schemas.microsoft.com/office/drawing/2014/main" id="{9B5DF8C7-71B0-4D40-BCE9-DA1C386D94A4}"/>
-              </a:ext>
-            </a:extLst>
-          </p:cNvPr>
-          <p:cNvSpPr txBox="1"/>
-          <p:nvPr/>
-        </p:nvSpPr>
-        <p:spPr>
-          <a:xfrm>
-            <a:off x="3552825" y="4222096"/>
-            <a:ext cx="1724025" cy="369332"/>
-          </a:xfrm>
-          <a:prstGeom prst="rect">
-            <a:avLst/>
-          </a:prstGeom>
-          <a:gradFill flip="none" rotWithShape="1">
-            <a:gsLst>
-              <a:gs pos="0">
-                <a:srgbClr val="92D050">
-                  <a:tint val="66000"/>
-                  <a:satMod val="160000"/>
-                </a:srgbClr>
-              </a:gs>
-              <a:gs pos="50000">
-                <a:srgbClr val="92D050">
-                  <a:tint val="44500"/>
-                  <a:satMod val="160000"/>
-                </a:srgbClr>
-              </a:gs>
-              <a:gs pos="100000">
-                <a:srgbClr val="92D050">
-                  <a:tint val="23500"/>
-                  <a:satMod val="160000"/>
-                </a:srgbClr>
-              </a:gs>
-            </a:gsLst>
-            <a:lin ang="8100000" scaled="1"/>
-            <a:tileRect/>
-          </a:gradFill>
-        </p:spPr>
-        <p:txBody>
-          <a:bodyPr wrap="square" rtlCol="0">
-            <a:spAutoFit/>
-          </a:bodyPr>
-          <a:lstStyle/>
-          <a:p>
-            <a:r>
-              <a:rPr lang="en-US" dirty="0"/>
-              <a:t>#</a:t>
-            </a:r>
-            <a:r>
-              <a:rPr lang="en-US" dirty="0" err="1"/>
-              <a:t>greeenlearner</a:t>
-            </a:r>
-            <a:endParaRPr lang="en-IN" dirty="0"/>
-          </a:p>
-        </p:txBody>
-      </p:sp>
-    </p:spTree>
-    <p:extLst>
-      <p:ext uri="{BB962C8B-B14F-4D97-AF65-F5344CB8AC3E}">
-        <p14:creationId xmlns:p14="http://schemas.microsoft.com/office/powerpoint/2010/main" val="2254616871"/>
       </p:ext>
     </p:extLst>
   </p:cSld>
